--- a/講義/畫圖.pptx
+++ b/講義/畫圖.pptx
@@ -9,6 +9,7 @@
     <p:sldId id="257" r:id="rId3"/>
     <p:sldId id="258" r:id="rId4"/>
     <p:sldId id="259" r:id="rId5"/>
+    <p:sldId id="260" r:id="rId6"/>
   </p:sldIdLst>
   <p:sldSz cx="12192000" cy="6858000"/>
   <p:notesSz cx="6858000" cy="9144000"/>
@@ -262,7 +263,7 @@
           <a:p>
             <a:fld id="{4C3AAABA-080C-E640-912B-A64318E905E6}" type="datetimeFigureOut">
               <a:rPr kumimoji="1" lang="zh-TW" altLang="en-US" smtClean="0"/>
-              <a:t>2025/3/4</a:t>
+              <a:t>2025/4/8</a:t>
             </a:fld>
             <a:endParaRPr kumimoji="1" lang="zh-TW" altLang="en-US"/>
           </a:p>
@@ -460,7 +461,7 @@
           <a:p>
             <a:fld id="{4C3AAABA-080C-E640-912B-A64318E905E6}" type="datetimeFigureOut">
               <a:rPr kumimoji="1" lang="zh-TW" altLang="en-US" smtClean="0"/>
-              <a:t>2025/3/4</a:t>
+              <a:t>2025/4/8</a:t>
             </a:fld>
             <a:endParaRPr kumimoji="1" lang="zh-TW" altLang="en-US"/>
           </a:p>
@@ -668,7 +669,7 @@
           <a:p>
             <a:fld id="{4C3AAABA-080C-E640-912B-A64318E905E6}" type="datetimeFigureOut">
               <a:rPr kumimoji="1" lang="zh-TW" altLang="en-US" smtClean="0"/>
-              <a:t>2025/3/4</a:t>
+              <a:t>2025/4/8</a:t>
             </a:fld>
             <a:endParaRPr kumimoji="1" lang="zh-TW" altLang="en-US"/>
           </a:p>
@@ -866,7 +867,7 @@
           <a:p>
             <a:fld id="{4C3AAABA-080C-E640-912B-A64318E905E6}" type="datetimeFigureOut">
               <a:rPr kumimoji="1" lang="zh-TW" altLang="en-US" smtClean="0"/>
-              <a:t>2025/3/4</a:t>
+              <a:t>2025/4/8</a:t>
             </a:fld>
             <a:endParaRPr kumimoji="1" lang="zh-TW" altLang="en-US"/>
           </a:p>
@@ -1141,7 +1142,7 @@
           <a:p>
             <a:fld id="{4C3AAABA-080C-E640-912B-A64318E905E6}" type="datetimeFigureOut">
               <a:rPr kumimoji="1" lang="zh-TW" altLang="en-US" smtClean="0"/>
-              <a:t>2025/3/4</a:t>
+              <a:t>2025/4/8</a:t>
             </a:fld>
             <a:endParaRPr kumimoji="1" lang="zh-TW" altLang="en-US"/>
           </a:p>
@@ -1406,7 +1407,7 @@
           <a:p>
             <a:fld id="{4C3AAABA-080C-E640-912B-A64318E905E6}" type="datetimeFigureOut">
               <a:rPr kumimoji="1" lang="zh-TW" altLang="en-US" smtClean="0"/>
-              <a:t>2025/3/4</a:t>
+              <a:t>2025/4/8</a:t>
             </a:fld>
             <a:endParaRPr kumimoji="1" lang="zh-TW" altLang="en-US"/>
           </a:p>
@@ -1818,7 +1819,7 @@
           <a:p>
             <a:fld id="{4C3AAABA-080C-E640-912B-A64318E905E6}" type="datetimeFigureOut">
               <a:rPr kumimoji="1" lang="zh-TW" altLang="en-US" smtClean="0"/>
-              <a:t>2025/3/4</a:t>
+              <a:t>2025/4/8</a:t>
             </a:fld>
             <a:endParaRPr kumimoji="1" lang="zh-TW" altLang="en-US"/>
           </a:p>
@@ -1959,7 +1960,7 @@
           <a:p>
             <a:fld id="{4C3AAABA-080C-E640-912B-A64318E905E6}" type="datetimeFigureOut">
               <a:rPr kumimoji="1" lang="zh-TW" altLang="en-US" smtClean="0"/>
-              <a:t>2025/3/4</a:t>
+              <a:t>2025/4/8</a:t>
             </a:fld>
             <a:endParaRPr kumimoji="1" lang="zh-TW" altLang="en-US"/>
           </a:p>
@@ -2072,7 +2073,7 @@
           <a:p>
             <a:fld id="{4C3AAABA-080C-E640-912B-A64318E905E6}" type="datetimeFigureOut">
               <a:rPr kumimoji="1" lang="zh-TW" altLang="en-US" smtClean="0"/>
-              <a:t>2025/3/4</a:t>
+              <a:t>2025/4/8</a:t>
             </a:fld>
             <a:endParaRPr kumimoji="1" lang="zh-TW" altLang="en-US"/>
           </a:p>
@@ -2383,7 +2384,7 @@
           <a:p>
             <a:fld id="{4C3AAABA-080C-E640-912B-A64318E905E6}" type="datetimeFigureOut">
               <a:rPr kumimoji="1" lang="zh-TW" altLang="en-US" smtClean="0"/>
-              <a:t>2025/3/4</a:t>
+              <a:t>2025/4/8</a:t>
             </a:fld>
             <a:endParaRPr kumimoji="1" lang="zh-TW" altLang="en-US"/>
           </a:p>
@@ -2671,7 +2672,7 @@
           <a:p>
             <a:fld id="{4C3AAABA-080C-E640-912B-A64318E905E6}" type="datetimeFigureOut">
               <a:rPr kumimoji="1" lang="zh-TW" altLang="en-US" smtClean="0"/>
-              <a:t>2025/3/4</a:t>
+              <a:t>2025/4/8</a:t>
             </a:fld>
             <a:endParaRPr kumimoji="1" lang="zh-TW" altLang="en-US"/>
           </a:p>
@@ -2912,7 +2913,7 @@
           <a:p>
             <a:fld id="{4C3AAABA-080C-E640-912B-A64318E905E6}" type="datetimeFigureOut">
               <a:rPr kumimoji="1" lang="zh-TW" altLang="en-US" smtClean="0"/>
-              <a:t>2025/3/4</a:t>
+              <a:t>2025/4/8</a:t>
             </a:fld>
             <a:endParaRPr kumimoji="1" lang="zh-TW" altLang="en-US"/>
           </a:p>
@@ -3840,14 +3841,14 @@
           <p:nvPr>
             <p:extLst>
               <p:ext uri="{D42A27DB-BD31-4B8C-83A1-F6EECF244321}">
-                <p14:modId xmlns:p14="http://schemas.microsoft.com/office/powerpoint/2010/main" val="195856612"/>
+                <p14:modId xmlns:p14="http://schemas.microsoft.com/office/powerpoint/2010/main" val="2456258510"/>
               </p:ext>
             </p:extLst>
           </p:nvPr>
         </p:nvGraphicFramePr>
         <p:xfrm>
-          <a:off x="1798819" y="2087380"/>
-          <a:ext cx="8900826" cy="2683239"/>
+          <a:off x="2402955" y="3756764"/>
+          <a:ext cx="8381748" cy="1710143"/>
         </p:xfrm>
         <a:graphic>
           <a:graphicData uri="http://schemas.openxmlformats.org/drawingml/2006/table">
@@ -3856,42 +3857,42 @@
                 <a:tableStyleId>{5C22544A-7EE6-4342-B048-85BDC9FD1C3A}</a:tableStyleId>
               </a:tblPr>
               <a:tblGrid>
-                <a:gridCol w="1483471">
+                <a:gridCol w="1396958">
                   <a:extLst>
                     <a:ext uri="{9D8B030D-6E8A-4147-A177-3AD203B41FA5}">
                       <a16:colId xmlns:a16="http://schemas.microsoft.com/office/drawing/2014/main" val="2757602937"/>
                     </a:ext>
                   </a:extLst>
                 </a:gridCol>
-                <a:gridCol w="1483471">
+                <a:gridCol w="1396958">
                   <a:extLst>
                     <a:ext uri="{9D8B030D-6E8A-4147-A177-3AD203B41FA5}">
                       <a16:colId xmlns:a16="http://schemas.microsoft.com/office/drawing/2014/main" val="1540440713"/>
                     </a:ext>
                   </a:extLst>
                 </a:gridCol>
-                <a:gridCol w="1483471">
+                <a:gridCol w="1396958">
                   <a:extLst>
                     <a:ext uri="{9D8B030D-6E8A-4147-A177-3AD203B41FA5}">
                       <a16:colId xmlns:a16="http://schemas.microsoft.com/office/drawing/2014/main" val="955953197"/>
                     </a:ext>
                   </a:extLst>
                 </a:gridCol>
-                <a:gridCol w="1483471">
+                <a:gridCol w="1396958">
                   <a:extLst>
                     <a:ext uri="{9D8B030D-6E8A-4147-A177-3AD203B41FA5}">
                       <a16:colId xmlns:a16="http://schemas.microsoft.com/office/drawing/2014/main" val="1364339603"/>
                     </a:ext>
                   </a:extLst>
                 </a:gridCol>
-                <a:gridCol w="1483471">
+                <a:gridCol w="1396958">
                   <a:extLst>
                     <a:ext uri="{9D8B030D-6E8A-4147-A177-3AD203B41FA5}">
                       <a16:colId xmlns:a16="http://schemas.microsoft.com/office/drawing/2014/main" val="2008679348"/>
                     </a:ext>
                   </a:extLst>
                 </a:gridCol>
-                <a:gridCol w="1483471">
+                <a:gridCol w="1396958">
                   <a:extLst>
                     <a:ext uri="{9D8B030D-6E8A-4147-A177-3AD203B41FA5}">
                       <a16:colId xmlns:a16="http://schemas.microsoft.com/office/drawing/2014/main" val="1221628394"/>
@@ -3899,13 +3900,69 @@
                   </a:extLst>
                 </a:gridCol>
               </a:tblGrid>
-              <a:tr h="2683239">
+              <a:tr h="1710143">
                 <a:tc>
                   <a:txBody>
                     <a:bodyPr/>
                     <a:lstStyle/>
                     <a:p>
                       <a:pPr algn="ctr"/>
+                      <a:r>
+                        <a:rPr lang="en-US" altLang="zh-TW" sz="9600" dirty="0"/>
+                        <a:t>1</a:t>
+                      </a:r>
+                      <a:endParaRPr lang="zh-TW" altLang="en-US" sz="9600" dirty="0"/>
+                    </a:p>
+                  </a:txBody>
+                  <a:tcPr/>
+                </a:tc>
+                <a:tc>
+                  <a:txBody>
+                    <a:bodyPr/>
+                    <a:lstStyle/>
+                    <a:p>
+                      <a:r>
+                        <a:rPr lang="en-US" altLang="zh-TW" sz="9600" dirty="0"/>
+                        <a:t>2</a:t>
+                      </a:r>
+                      <a:endParaRPr lang="zh-TW" altLang="en-US" sz="9600" dirty="0"/>
+                    </a:p>
+                  </a:txBody>
+                  <a:tcPr/>
+                </a:tc>
+                <a:tc>
+                  <a:txBody>
+                    <a:bodyPr/>
+                    <a:lstStyle/>
+                    <a:p>
+                      <a:r>
+                        <a:rPr lang="en-US" altLang="zh-TW" sz="9600" dirty="0"/>
+                        <a:t>3</a:t>
+                      </a:r>
+                      <a:endParaRPr lang="zh-TW" altLang="en-US" sz="9600" dirty="0"/>
+                    </a:p>
+                  </a:txBody>
+                  <a:tcPr/>
+                </a:tc>
+                <a:tc>
+                  <a:txBody>
+                    <a:bodyPr/>
+                    <a:lstStyle/>
+                    <a:p>
+                      <a:r>
+                        <a:rPr lang="en-US" altLang="zh-TW" sz="9600" dirty="0"/>
+                        <a:t>4</a:t>
+                      </a:r>
+                      <a:endParaRPr lang="zh-TW" altLang="en-US" sz="9600" dirty="0"/>
+                    </a:p>
+                  </a:txBody>
+                  <a:tcPr/>
+                </a:tc>
+                <a:tc>
+                  <a:txBody>
+                    <a:bodyPr/>
+                    <a:lstStyle/>
+                    <a:p>
                       <a:r>
                         <a:rPr lang="en-US" altLang="zh-TW" sz="9600" dirty="0"/>
                         <a:t>5</a:t>
@@ -3920,47 +3977,11 @@
                     <a:bodyPr/>
                     <a:lstStyle/>
                     <a:p>
-                      <a:endParaRPr lang="zh-TW" altLang="en-US" dirty="0"/>
-                    </a:p>
-                  </a:txBody>
-                  <a:tcPr/>
-                </a:tc>
-                <a:tc>
-                  <a:txBody>
-                    <a:bodyPr/>
-                    <a:lstStyle/>
-                    <a:p>
-                      <a:endParaRPr lang="zh-TW" altLang="en-US"/>
-                    </a:p>
-                  </a:txBody>
-                  <a:tcPr/>
-                </a:tc>
-                <a:tc>
-                  <a:txBody>
-                    <a:bodyPr/>
-                    <a:lstStyle/>
-                    <a:p>
-                      <a:endParaRPr lang="zh-TW" altLang="en-US"/>
-                    </a:p>
-                  </a:txBody>
-                  <a:tcPr/>
-                </a:tc>
-                <a:tc>
-                  <a:txBody>
-                    <a:bodyPr/>
-                    <a:lstStyle/>
-                    <a:p>
-                      <a:endParaRPr lang="zh-TW" altLang="en-US" dirty="0"/>
-                    </a:p>
-                  </a:txBody>
-                  <a:tcPr/>
-                </a:tc>
-                <a:tc>
-                  <a:txBody>
-                    <a:bodyPr/>
-                    <a:lstStyle/>
-                    <a:p>
-                      <a:endParaRPr lang="zh-TW" altLang="en-US" dirty="0"/>
+                      <a:r>
+                        <a:rPr lang="en-US" altLang="zh-TW" sz="9600" dirty="0"/>
+                        <a:t>6</a:t>
+                      </a:r>
+                      <a:endParaRPr lang="zh-TW" altLang="en-US" sz="9600" dirty="0"/>
                     </a:p>
                   </a:txBody>
                   <a:tcPr/>
@@ -3975,81 +3996,282 @@
           </a:graphicData>
         </a:graphic>
       </p:graphicFrame>
-      <p:sp>
-        <p:nvSpPr>
-          <p:cNvPr id="5" name="文字方塊 4">
-            <a:extLst>
-              <a:ext uri="{FF2B5EF4-FFF2-40B4-BE49-F238E27FC236}">
-                <a16:creationId xmlns:a16="http://schemas.microsoft.com/office/drawing/2014/main" id="{A7548160-C4C0-51F2-977D-9783FB68D8A6}"/>
-              </a:ext>
-            </a:extLst>
-          </p:cNvPr>
-          <p:cNvSpPr txBox="1"/>
+      <p:graphicFrame>
+        <p:nvGraphicFramePr>
+          <p:cNvPr id="12" name="表格 11">
+            <a:extLst>
+              <a:ext uri="{FF2B5EF4-FFF2-40B4-BE49-F238E27FC236}">
+                <a16:creationId xmlns:a16="http://schemas.microsoft.com/office/drawing/2014/main" id="{0C35AC03-D480-049B-08EA-E0BF2EF9C88B}"/>
+              </a:ext>
+            </a:extLst>
+          </p:cNvPr>
+          <p:cNvGraphicFramePr>
+            <a:graphicFrameLocks noGrp="1"/>
+          </p:cNvGraphicFramePr>
+          <p:nvPr>
+            <p:extLst>
+              <p:ext uri="{D42A27DB-BD31-4B8C-83A1-F6EECF244321}">
+                <p14:modId xmlns:p14="http://schemas.microsoft.com/office/powerpoint/2010/main" val="1940510671"/>
+              </p:ext>
+            </p:extLst>
+          </p:nvPr>
+        </p:nvGraphicFramePr>
+        <p:xfrm>
+          <a:off x="2402957" y="1546756"/>
+          <a:ext cx="8381748" cy="1554480"/>
+        </p:xfrm>
+        <a:graphic>
+          <a:graphicData uri="http://schemas.openxmlformats.org/drawingml/2006/table">
+            <a:tbl>
+              <a:tblPr firstRow="1" bandRow="1">
+                <a:tableStyleId>{5C22544A-7EE6-4342-B048-85BDC9FD1C3A}</a:tableStyleId>
+              </a:tblPr>
+              <a:tblGrid>
+                <a:gridCol w="1396958">
+                  <a:extLst>
+                    <a:ext uri="{9D8B030D-6E8A-4147-A177-3AD203B41FA5}">
+                      <a16:colId xmlns:a16="http://schemas.microsoft.com/office/drawing/2014/main" val="2757602937"/>
+                    </a:ext>
+                  </a:extLst>
+                </a:gridCol>
+                <a:gridCol w="1396958">
+                  <a:extLst>
+                    <a:ext uri="{9D8B030D-6E8A-4147-A177-3AD203B41FA5}">
+                      <a16:colId xmlns:a16="http://schemas.microsoft.com/office/drawing/2014/main" val="1540440713"/>
+                    </a:ext>
+                  </a:extLst>
+                </a:gridCol>
+                <a:gridCol w="1396958">
+                  <a:extLst>
+                    <a:ext uri="{9D8B030D-6E8A-4147-A177-3AD203B41FA5}">
+                      <a16:colId xmlns:a16="http://schemas.microsoft.com/office/drawing/2014/main" val="955953197"/>
+                    </a:ext>
+                  </a:extLst>
+                </a:gridCol>
+                <a:gridCol w="1396958">
+                  <a:extLst>
+                    <a:ext uri="{9D8B030D-6E8A-4147-A177-3AD203B41FA5}">
+                      <a16:colId xmlns:a16="http://schemas.microsoft.com/office/drawing/2014/main" val="1364339603"/>
+                    </a:ext>
+                  </a:extLst>
+                </a:gridCol>
+                <a:gridCol w="1396958">
+                  <a:extLst>
+                    <a:ext uri="{9D8B030D-6E8A-4147-A177-3AD203B41FA5}">
+                      <a16:colId xmlns:a16="http://schemas.microsoft.com/office/drawing/2014/main" val="2008679348"/>
+                    </a:ext>
+                  </a:extLst>
+                </a:gridCol>
+                <a:gridCol w="1396958">
+                  <a:extLst>
+                    <a:ext uri="{9D8B030D-6E8A-4147-A177-3AD203B41FA5}">
+                      <a16:colId xmlns:a16="http://schemas.microsoft.com/office/drawing/2014/main" val="1221628394"/>
+                    </a:ext>
+                  </a:extLst>
+                </a:gridCol>
+              </a:tblGrid>
+              <a:tr h="1357496">
+                <a:tc>
+                  <a:txBody>
+                    <a:bodyPr/>
+                    <a:lstStyle/>
+                    <a:p>
+                      <a:pPr algn="ctr"/>
+                      <a:r>
+                        <a:rPr lang="en-US" altLang="zh-TW" sz="9600" dirty="0"/>
+                        <a:t>0</a:t>
+                      </a:r>
+                      <a:endParaRPr lang="zh-TW" altLang="en-US" sz="9600" dirty="0"/>
+                    </a:p>
+                  </a:txBody>
+                  <a:tcPr/>
+                </a:tc>
+                <a:tc>
+                  <a:txBody>
+                    <a:bodyPr/>
+                    <a:lstStyle/>
+                    <a:p>
+                      <a:r>
+                        <a:rPr lang="en-US" altLang="zh-TW" sz="9600" dirty="0"/>
+                        <a:t>1</a:t>
+                      </a:r>
+                      <a:endParaRPr lang="zh-TW" altLang="en-US" sz="9600" dirty="0"/>
+                    </a:p>
+                  </a:txBody>
+                  <a:tcPr/>
+                </a:tc>
+                <a:tc>
+                  <a:txBody>
+                    <a:bodyPr/>
+                    <a:lstStyle/>
+                    <a:p>
+                      <a:r>
+                        <a:rPr lang="en-US" altLang="zh-TW" sz="9600" dirty="0"/>
+                        <a:t>2</a:t>
+                      </a:r>
+                      <a:endParaRPr lang="zh-TW" altLang="en-US" sz="9600" dirty="0"/>
+                    </a:p>
+                  </a:txBody>
+                  <a:tcPr/>
+                </a:tc>
+                <a:tc>
+                  <a:txBody>
+                    <a:bodyPr/>
+                    <a:lstStyle/>
+                    <a:p>
+                      <a:r>
+                        <a:rPr lang="en-US" altLang="zh-TW" sz="9600" dirty="0"/>
+                        <a:t>3</a:t>
+                      </a:r>
+                      <a:endParaRPr lang="zh-TW" altLang="en-US" sz="9600" dirty="0"/>
+                    </a:p>
+                  </a:txBody>
+                  <a:tcPr/>
+                </a:tc>
+                <a:tc>
+                  <a:txBody>
+                    <a:bodyPr/>
+                    <a:lstStyle/>
+                    <a:p>
+                      <a:r>
+                        <a:rPr lang="en-US" altLang="zh-TW" sz="9600" dirty="0"/>
+                        <a:t>4</a:t>
+                      </a:r>
+                      <a:endParaRPr lang="zh-TW" altLang="en-US" sz="9600" dirty="0"/>
+                    </a:p>
+                  </a:txBody>
+                  <a:tcPr/>
+                </a:tc>
+                <a:tc>
+                  <a:txBody>
+                    <a:bodyPr/>
+                    <a:lstStyle/>
+                    <a:p>
+                      <a:r>
+                        <a:rPr lang="en-US" altLang="zh-TW" sz="9600" dirty="0"/>
+                        <a:t>5</a:t>
+                      </a:r>
+                      <a:endParaRPr lang="zh-TW" altLang="en-US" sz="9600" dirty="0"/>
+                    </a:p>
+                  </a:txBody>
+                  <a:tcPr/>
+                </a:tc>
+                <a:extLst>
+                  <a:ext uri="{0D108BD9-81ED-4DB2-BD59-A6C34878D82A}">
+                    <a16:rowId xmlns:a16="http://schemas.microsoft.com/office/drawing/2014/main" val="3293728310"/>
+                  </a:ext>
+                </a:extLst>
+              </a:tr>
+            </a:tbl>
+          </a:graphicData>
+        </a:graphic>
+      </p:graphicFrame>
+      <p:sp>
+        <p:nvSpPr>
+          <p:cNvPr id="14" name="五邊形 13">
+            <a:extLst>
+              <a:ext uri="{FF2B5EF4-FFF2-40B4-BE49-F238E27FC236}">
+                <a16:creationId xmlns:a16="http://schemas.microsoft.com/office/drawing/2014/main" id="{1CC266F6-339A-E446-D21E-7EA282DA997D}"/>
+              </a:ext>
+            </a:extLst>
+          </p:cNvPr>
+          <p:cNvSpPr/>
           <p:nvPr/>
         </p:nvSpPr>
         <p:spPr>
           <a:xfrm>
-            <a:off x="629588" y="554635"/>
-            <a:ext cx="569626" cy="1015663"/>
+            <a:off x="637953" y="1850065"/>
+            <a:ext cx="1637414" cy="1116419"/>
           </a:xfrm>
-          <a:prstGeom prst="rect">
+          <a:prstGeom prst="homePlate">
             <a:avLst/>
           </a:prstGeom>
-          <a:noFill/>
-        </p:spPr>
-        <p:txBody>
-          <a:bodyPr wrap="square" rtlCol="0">
-            <a:spAutoFit/>
-          </a:bodyPr>
-          <a:lstStyle/>
-          <a:p>
-            <a:r>
-              <a:rPr kumimoji="1" lang="en-US" altLang="zh-TW" sz="6000" dirty="0"/>
-              <a:t>a</a:t>
-            </a:r>
-            <a:endParaRPr kumimoji="1" lang="zh-TW" altLang="en-US" sz="6000" dirty="0"/>
-          </a:p>
-        </p:txBody>
-      </p:sp>
-      <p:cxnSp>
-        <p:nvCxnSpPr>
-          <p:cNvPr id="7" name="直線箭頭接點 6">
-            <a:extLst>
-              <a:ext uri="{FF2B5EF4-FFF2-40B4-BE49-F238E27FC236}">
-                <a16:creationId xmlns:a16="http://schemas.microsoft.com/office/drawing/2014/main" id="{6028CF1A-A58E-0F5A-3D9C-63A28BF2B86C}"/>
-              </a:ext>
-            </a:extLst>
-          </p:cNvPr>
-          <p:cNvCxnSpPr/>
-          <p:nvPr/>
-        </p:nvCxnSpPr>
-        <p:spPr>
-          <a:xfrm>
-            <a:off x="1109274" y="1424066"/>
-            <a:ext cx="599605" cy="663314"/>
-          </a:xfrm>
-          <a:prstGeom prst="straightConnector1">
-            <a:avLst/>
-          </a:prstGeom>
-          <a:ln>
-            <a:tailEnd type="triangle"/>
-          </a:ln>
+          <a:solidFill>
+            <a:schemeClr val="accent2"/>
+          </a:solidFill>
         </p:spPr>
         <p:style>
           <a:lnRef idx="2">
-            <a:schemeClr val="accent1"/>
+            <a:schemeClr val="accent1">
+              <a:shade val="15000"/>
+            </a:schemeClr>
           </a:lnRef>
-          <a:fillRef idx="0">
+          <a:fillRef idx="1">
             <a:schemeClr val="accent1"/>
           </a:fillRef>
-          <a:effectRef idx="1">
+          <a:effectRef idx="0">
             <a:schemeClr val="accent1"/>
           </a:effectRef>
           <a:fontRef idx="minor">
-            <a:schemeClr val="tx1"/>
+            <a:schemeClr val="lt1"/>
           </a:fontRef>
         </p:style>
-      </p:cxnSp>
+        <p:txBody>
+          <a:bodyPr rtlCol="0" anchor="ctr"/>
+          <a:lstStyle/>
+          <a:p>
+            <a:pPr algn="ctr"/>
+            <a:r>
+              <a:rPr kumimoji="1" lang="en-US" altLang="zh-TW" sz="3600" dirty="0"/>
+              <a:t>Index</a:t>
+            </a:r>
+            <a:endParaRPr kumimoji="1" lang="zh-TW" altLang="en-US" sz="3600" dirty="0"/>
+          </a:p>
+        </p:txBody>
+      </p:sp>
+      <p:sp>
+        <p:nvSpPr>
+          <p:cNvPr id="15" name="五邊形 14">
+            <a:extLst>
+              <a:ext uri="{FF2B5EF4-FFF2-40B4-BE49-F238E27FC236}">
+                <a16:creationId xmlns:a16="http://schemas.microsoft.com/office/drawing/2014/main" id="{D1185124-FB92-6852-796C-F2AC2CBC5727}"/>
+              </a:ext>
+            </a:extLst>
+          </p:cNvPr>
+          <p:cNvSpPr/>
+          <p:nvPr/>
+        </p:nvSpPr>
+        <p:spPr>
+          <a:xfrm>
+            <a:off x="637953" y="3912782"/>
+            <a:ext cx="1637414" cy="1116419"/>
+          </a:xfrm>
+          <a:prstGeom prst="homePlate">
+            <a:avLst/>
+          </a:prstGeom>
+          <a:solidFill>
+            <a:srgbClr val="FF0000"/>
+          </a:solidFill>
+        </p:spPr>
+        <p:style>
+          <a:lnRef idx="2">
+            <a:schemeClr val="accent1">
+              <a:shade val="15000"/>
+            </a:schemeClr>
+          </a:lnRef>
+          <a:fillRef idx="1">
+            <a:schemeClr val="accent1"/>
+          </a:fillRef>
+          <a:effectRef idx="0">
+            <a:schemeClr val="accent1"/>
+          </a:effectRef>
+          <a:fontRef idx="minor">
+            <a:schemeClr val="lt1"/>
+          </a:fontRef>
+        </p:style>
+        <p:txBody>
+          <a:bodyPr rtlCol="0" anchor="ctr"/>
+          <a:lstStyle/>
+          <a:p>
+            <a:pPr algn="ctr"/>
+            <a:r>
+              <a:rPr kumimoji="1" lang="en-US" altLang="zh-TW" sz="3600" dirty="0"/>
+              <a:t>Value</a:t>
+            </a:r>
+            <a:endParaRPr kumimoji="1" lang="zh-TW" altLang="en-US" sz="3600" dirty="0"/>
+          </a:p>
+        </p:txBody>
+      </p:sp>
     </p:spTree>
     <p:extLst>
       <p:ext uri="{BB962C8B-B14F-4D97-AF65-F5344CB8AC3E}">
@@ -4131,6 +4353,36 @@
     <p:extLst>
       <p:ext uri="{BB962C8B-B14F-4D97-AF65-F5344CB8AC3E}">
         <p14:creationId xmlns:p14="http://schemas.microsoft.com/office/powerpoint/2010/main" val="1547872840"/>
+      </p:ext>
+    </p:extLst>
+  </p:cSld>
+  <p:clrMapOvr>
+    <a:masterClrMapping/>
+  </p:clrMapOvr>
+</p:sld>
+</file>
+
+<file path=ppt/slides/slide5.xml><?xml version="1.0" encoding="utf-8"?>
+<p:sld xmlns:a="http://schemas.openxmlformats.org/drawingml/2006/main" xmlns:r="http://schemas.openxmlformats.org/officeDocument/2006/relationships" xmlns:p="http://schemas.openxmlformats.org/presentationml/2006/main">
+  <p:cSld>
+    <p:spTree>
+      <p:nvGrpSpPr>
+        <p:cNvPr id="1" name=""/>
+        <p:cNvGrpSpPr/>
+        <p:nvPr/>
+      </p:nvGrpSpPr>
+      <p:grpSpPr>
+        <a:xfrm>
+          <a:off x="0" y="0"/>
+          <a:ext cx="0" cy="0"/>
+          <a:chOff x="0" y="0"/>
+          <a:chExt cx="0" cy="0"/>
+        </a:xfrm>
+      </p:grpSpPr>
+    </p:spTree>
+    <p:extLst>
+      <p:ext uri="{BB962C8B-B14F-4D97-AF65-F5344CB8AC3E}">
+        <p14:creationId xmlns:p14="http://schemas.microsoft.com/office/powerpoint/2010/main" val="824773278"/>
       </p:ext>
     </p:extLst>
   </p:cSld>
